--- a/data8/lab2.pptx
+++ b/data8/lab2.pptx
@@ -9,21 +9,28 @@
     <p:sldMasterId id="2147483699" r:id="rId5"/>
   </p:sldMasterIdLst>
   <p:notesMasterIdLst>
-    <p:notesMasterId r:id="rId15"/>
+    <p:notesMasterId r:id="rId22"/>
   </p:notesMasterIdLst>
   <p:handoutMasterIdLst>
-    <p:handoutMasterId r:id="rId16"/>
+    <p:handoutMasterId r:id="rId23"/>
   </p:handoutMasterIdLst>
   <p:sldIdLst>
     <p:sldId id="256" r:id="rId6"/>
-    <p:sldId id="261" r:id="rId7"/>
-    <p:sldId id="262" r:id="rId8"/>
-    <p:sldId id="263" r:id="rId9"/>
-    <p:sldId id="265" r:id="rId10"/>
-    <p:sldId id="267" r:id="rId11"/>
-    <p:sldId id="268" r:id="rId12"/>
-    <p:sldId id="264" r:id="rId13"/>
-    <p:sldId id="266" r:id="rId14"/>
+    <p:sldId id="263" r:id="rId7"/>
+    <p:sldId id="268" r:id="rId8"/>
+    <p:sldId id="269" r:id="rId9"/>
+    <p:sldId id="271" r:id="rId10"/>
+    <p:sldId id="273" r:id="rId11"/>
+    <p:sldId id="272" r:id="rId12"/>
+    <p:sldId id="270" r:id="rId13"/>
+    <p:sldId id="275" r:id="rId14"/>
+    <p:sldId id="274" r:id="rId15"/>
+    <p:sldId id="276" r:id="rId16"/>
+    <p:sldId id="277" r:id="rId17"/>
+    <p:sldId id="278" r:id="rId18"/>
+    <p:sldId id="279" r:id="rId19"/>
+    <p:sldId id="267" r:id="rId20"/>
+    <p:sldId id="266" r:id="rId21"/>
   </p:sldIdLst>
   <p:sldSz cx="9144000" cy="6858000" type="screen4x3"/>
   <p:notesSz cx="6858000" cy="9144000"/>
@@ -7657,7 +7664,16 @@
                 </a:solidFill>
                 <a:latin typeface="Avenir LT Std 45 Book" pitchFamily="34" charset="0"/>
               </a:rPr>
-              <a:t>Data 8, Lab 1</a:t>
+              <a:t>Data 8, Lab </a:t>
+            </a:r>
+            <a:r>
+              <a:rPr lang="en-US" dirty="0" smtClean="0">
+                <a:solidFill>
+                  <a:srgbClr val="C28220"/>
+                </a:solidFill>
+                <a:latin typeface="Avenir LT Std 45 Book" pitchFamily="34" charset="0"/>
+              </a:rPr>
+              <a:t>2</a:t>
             </a:r>
             <a:endParaRPr lang="en-US" dirty="0">
               <a:solidFill>
@@ -7712,6 +7728,980 @@
     <p:extLst>
       <p:ext uri="{BB962C8B-B14F-4D97-AF65-F5344CB8AC3E}">
         <p14:creationId xmlns:p14="http://schemas.microsoft.com/office/powerpoint/2010/main" val="1276399452"/>
+      </p:ext>
+    </p:extLst>
+  </p:cSld>
+  <p:clrMapOvr>
+    <a:masterClrMapping/>
+  </p:clrMapOvr>
+  <p:timing>
+    <p:tnLst>
+      <p:par>
+        <p:cTn id="1" dur="indefinite" restart="never" nodeType="tmRoot"/>
+      </p:par>
+    </p:tnLst>
+  </p:timing>
+</p:sld>
+</file>
+
+<file path=ppt/slides/slide10.xml><?xml version="1.0" encoding="utf-8"?>
+<p:sld xmlns:a="http://schemas.openxmlformats.org/drawingml/2006/main" xmlns:r="http://schemas.openxmlformats.org/officeDocument/2006/relationships" xmlns:p="http://schemas.openxmlformats.org/presentationml/2006/main">
+  <p:cSld>
+    <p:spTree>
+      <p:nvGrpSpPr>
+        <p:cNvPr id="1" name=""/>
+        <p:cNvGrpSpPr/>
+        <p:nvPr/>
+      </p:nvGrpSpPr>
+      <p:grpSpPr>
+        <a:xfrm>
+          <a:off x="0" y="0"/>
+          <a:ext cx="0" cy="0"/>
+          <a:chOff x="0" y="0"/>
+          <a:chExt cx="0" cy="0"/>
+        </a:xfrm>
+      </p:grpSpPr>
+      <p:sp>
+        <p:nvSpPr>
+          <p:cNvPr id="2" name="Title 1"/>
+          <p:cNvSpPr>
+            <a:spLocks noGrp="1"/>
+          </p:cNvSpPr>
+          <p:nvPr>
+            <p:ph type="title"/>
+          </p:nvPr>
+        </p:nvSpPr>
+        <p:spPr>
+          <a:xfrm>
+            <a:off x="457200" y="449932"/>
+            <a:ext cx="8286750" cy="1150353"/>
+          </a:xfrm>
+        </p:spPr>
+        <p:txBody>
+          <a:bodyPr>
+            <a:normAutofit/>
+          </a:bodyPr>
+          <a:lstStyle/>
+          <a:p>
+            <a:r>
+              <a:rPr lang="en-CA" dirty="0" smtClean="0">
+                <a:latin typeface="+mn-lt"/>
+              </a:rPr>
+              <a:t>Establishing Causality</a:t>
+            </a:r>
+            <a:endParaRPr lang="en-CA" dirty="0">
+              <a:latin typeface="+mn-lt"/>
+            </a:endParaRPr>
+          </a:p>
+        </p:txBody>
+      </p:sp>
+      <p:sp>
+        <p:nvSpPr>
+          <p:cNvPr id="3" name="Content Placeholder 2"/>
+          <p:cNvSpPr>
+            <a:spLocks noGrp="1"/>
+          </p:cNvSpPr>
+          <p:nvPr>
+            <p:ph idx="1"/>
+          </p:nvPr>
+        </p:nvSpPr>
+        <p:spPr>
+          <a:xfrm>
+            <a:off x="457200" y="1756947"/>
+            <a:ext cx="8286750" cy="3596103"/>
+          </a:xfrm>
+        </p:spPr>
+        <p:txBody>
+          <a:bodyPr>
+            <a:normAutofit/>
+          </a:bodyPr>
+          <a:lstStyle/>
+          <a:p>
+            <a:r>
+              <a:rPr lang="en-CA" dirty="0" smtClean="0">
+                <a:latin typeface="Avenir LT Std 45 Book" pitchFamily="34" charset="0"/>
+              </a:rPr>
+              <a:t>Treatment Group: Treatment applied </a:t>
+            </a:r>
+          </a:p>
+          <a:p>
+            <a:r>
+              <a:rPr lang="en-CA" dirty="0" smtClean="0">
+                <a:latin typeface="Avenir LT Std 45 Book" pitchFamily="34" charset="0"/>
+              </a:rPr>
+              <a:t>Control Group: Treatment not applied </a:t>
+            </a:r>
+          </a:p>
+          <a:p>
+            <a:r>
+              <a:rPr lang="en-CA" dirty="0">
+                <a:latin typeface="Avenir LT Std 45 Book" pitchFamily="34" charset="0"/>
+              </a:rPr>
+              <a:t>Example</a:t>
+            </a:r>
+            <a:r>
+              <a:rPr lang="en-CA" dirty="0" smtClean="0">
+                <a:latin typeface="Avenir LT Std 45 Book" pitchFamily="34" charset="0"/>
+              </a:rPr>
+              <a:t>: Study </a:t>
+            </a:r>
+            <a:r>
+              <a:rPr lang="en-CA" dirty="0">
+                <a:latin typeface="Avenir LT Std 45 Book" pitchFamily="34" charset="0"/>
+              </a:rPr>
+              <a:t>the effect of capital punishment on a state’s murder </a:t>
+            </a:r>
+            <a:r>
+              <a:rPr lang="en-CA" dirty="0" smtClean="0">
+                <a:latin typeface="Avenir LT Std 45 Book" pitchFamily="34" charset="0"/>
+              </a:rPr>
+              <a:t>rate</a:t>
+            </a:r>
+          </a:p>
+          <a:p>
+            <a:pPr lvl="1"/>
+            <a:r>
+              <a:rPr lang="en-CA" dirty="0" smtClean="0">
+                <a:latin typeface="Avenir LT Std 45 Book" pitchFamily="34" charset="0"/>
+              </a:rPr>
+              <a:t>Treatment Group: States with capital punishment</a:t>
+            </a:r>
+          </a:p>
+          <a:p>
+            <a:pPr lvl="1"/>
+            <a:r>
+              <a:rPr lang="en-CA" dirty="0" smtClean="0">
+                <a:latin typeface="Avenir LT Std 45 Book" pitchFamily="34" charset="0"/>
+              </a:rPr>
+              <a:t>Control Group: States without capital punishment</a:t>
+            </a:r>
+            <a:endParaRPr lang="en-CA" dirty="0">
+              <a:latin typeface="Avenir LT Std 45 Book" pitchFamily="34" charset="0"/>
+            </a:endParaRPr>
+          </a:p>
+          <a:p>
+            <a:endParaRPr lang="en-CA" dirty="0" smtClean="0">
+              <a:latin typeface="Avenir LT Std 45 Book" pitchFamily="34" charset="0"/>
+            </a:endParaRPr>
+          </a:p>
+          <a:p>
+            <a:pPr lvl="1"/>
+            <a:endParaRPr lang="en-CA" dirty="0">
+              <a:latin typeface="Avenir LT Std 45 Book" pitchFamily="34" charset="0"/>
+            </a:endParaRPr>
+          </a:p>
+        </p:txBody>
+      </p:sp>
+    </p:spTree>
+    <p:extLst>
+      <p:ext uri="{BB962C8B-B14F-4D97-AF65-F5344CB8AC3E}">
+        <p14:creationId xmlns:p14="http://schemas.microsoft.com/office/powerpoint/2010/main" val="160600996"/>
+      </p:ext>
+    </p:extLst>
+  </p:cSld>
+  <p:clrMapOvr>
+    <a:masterClrMapping/>
+  </p:clrMapOvr>
+  <p:timing>
+    <p:tnLst>
+      <p:par>
+        <p:cTn id="1" dur="indefinite" restart="never" nodeType="tmRoot"/>
+      </p:par>
+    </p:tnLst>
+  </p:timing>
+</p:sld>
+</file>
+
+<file path=ppt/slides/slide11.xml><?xml version="1.0" encoding="utf-8"?>
+<p:sld xmlns:a="http://schemas.openxmlformats.org/drawingml/2006/main" xmlns:r="http://schemas.openxmlformats.org/officeDocument/2006/relationships" xmlns:p="http://schemas.openxmlformats.org/presentationml/2006/main">
+  <p:cSld>
+    <p:spTree>
+      <p:nvGrpSpPr>
+        <p:cNvPr id="1" name=""/>
+        <p:cNvGrpSpPr/>
+        <p:nvPr/>
+      </p:nvGrpSpPr>
+      <p:grpSpPr>
+        <a:xfrm>
+          <a:off x="0" y="0"/>
+          <a:ext cx="0" cy="0"/>
+          <a:chOff x="0" y="0"/>
+          <a:chExt cx="0" cy="0"/>
+        </a:xfrm>
+      </p:grpSpPr>
+      <p:sp>
+        <p:nvSpPr>
+          <p:cNvPr id="2" name="Title 1"/>
+          <p:cNvSpPr>
+            <a:spLocks noGrp="1"/>
+          </p:cNvSpPr>
+          <p:nvPr>
+            <p:ph type="title"/>
+          </p:nvPr>
+        </p:nvSpPr>
+        <p:spPr>
+          <a:xfrm>
+            <a:off x="457200" y="449932"/>
+            <a:ext cx="8286750" cy="1150353"/>
+          </a:xfrm>
+        </p:spPr>
+        <p:txBody>
+          <a:bodyPr>
+            <a:normAutofit/>
+          </a:bodyPr>
+          <a:lstStyle/>
+          <a:p>
+            <a:r>
+              <a:rPr lang="en-CA" dirty="0" smtClean="0">
+                <a:latin typeface="+mn-lt"/>
+              </a:rPr>
+              <a:t>Establishing Causality</a:t>
+            </a:r>
+            <a:endParaRPr lang="en-CA" dirty="0">
+              <a:latin typeface="+mn-lt"/>
+            </a:endParaRPr>
+          </a:p>
+        </p:txBody>
+      </p:sp>
+      <p:sp>
+        <p:nvSpPr>
+          <p:cNvPr id="3" name="Content Placeholder 2"/>
+          <p:cNvSpPr>
+            <a:spLocks noGrp="1"/>
+          </p:cNvSpPr>
+          <p:nvPr>
+            <p:ph idx="1"/>
+          </p:nvPr>
+        </p:nvSpPr>
+        <p:spPr>
+          <a:xfrm>
+            <a:off x="457200" y="1756947"/>
+            <a:ext cx="8286750" cy="3596103"/>
+          </a:xfrm>
+        </p:spPr>
+        <p:txBody>
+          <a:bodyPr>
+            <a:normAutofit/>
+          </a:bodyPr>
+          <a:lstStyle/>
+          <a:p>
+            <a:r>
+              <a:rPr lang="en-CA" dirty="0" smtClean="0">
+                <a:latin typeface="Avenir LT Std 45 Book" pitchFamily="34" charset="0"/>
+              </a:rPr>
+              <a:t>Observational Study: Experimenter has no ability to divide into treatment and control groups</a:t>
+            </a:r>
+          </a:p>
+          <a:p>
+            <a:r>
+              <a:rPr lang="en-CA" dirty="0" smtClean="0">
+                <a:latin typeface="Avenir LT Std 45 Book" pitchFamily="34" charset="0"/>
+              </a:rPr>
+              <a:t>Randomized Control Experiment: Randomly divide into treatment and control group</a:t>
+            </a:r>
+            <a:endParaRPr lang="en-CA" dirty="0" smtClean="0">
+              <a:latin typeface="Avenir LT Std 45 Book" pitchFamily="34" charset="0"/>
+            </a:endParaRPr>
+          </a:p>
+          <a:p>
+            <a:r>
+              <a:rPr lang="en-CA" dirty="0">
+                <a:latin typeface="Avenir LT Std 45 Book" pitchFamily="34" charset="0"/>
+              </a:rPr>
+              <a:t>Example</a:t>
+            </a:r>
+            <a:r>
+              <a:rPr lang="en-CA" dirty="0" smtClean="0">
+                <a:latin typeface="Avenir LT Std 45 Book" pitchFamily="34" charset="0"/>
+              </a:rPr>
+              <a:t>: Study </a:t>
+            </a:r>
+            <a:r>
+              <a:rPr lang="en-CA" dirty="0">
+                <a:latin typeface="Avenir LT Std 45 Book" pitchFamily="34" charset="0"/>
+              </a:rPr>
+              <a:t>the effect of capital punishment on a state’s murder </a:t>
+            </a:r>
+            <a:r>
+              <a:rPr lang="en-CA" dirty="0" smtClean="0">
+                <a:latin typeface="Avenir LT Std 45 Book" pitchFamily="34" charset="0"/>
+              </a:rPr>
+              <a:t>rate</a:t>
+            </a:r>
+          </a:p>
+          <a:p>
+            <a:pPr lvl="1"/>
+            <a:r>
+              <a:rPr lang="en-CA" dirty="0" smtClean="0">
+                <a:latin typeface="Avenir LT Std 45 Book" pitchFamily="34" charset="0"/>
+              </a:rPr>
+              <a:t>Observational study since researchers cannot just randomly decide which states have capital punishment or not</a:t>
+            </a:r>
+            <a:endParaRPr lang="en-CA" dirty="0" smtClean="0">
+              <a:latin typeface="Avenir LT Std 45 Book" pitchFamily="34" charset="0"/>
+            </a:endParaRPr>
+          </a:p>
+          <a:p>
+            <a:pPr lvl="1"/>
+            <a:endParaRPr lang="en-CA" dirty="0">
+              <a:latin typeface="Avenir LT Std 45 Book" pitchFamily="34" charset="0"/>
+            </a:endParaRPr>
+          </a:p>
+        </p:txBody>
+      </p:sp>
+    </p:spTree>
+    <p:extLst>
+      <p:ext uri="{BB962C8B-B14F-4D97-AF65-F5344CB8AC3E}">
+        <p14:creationId xmlns:p14="http://schemas.microsoft.com/office/powerpoint/2010/main" val="3196583341"/>
+      </p:ext>
+    </p:extLst>
+  </p:cSld>
+  <p:clrMapOvr>
+    <a:masterClrMapping/>
+  </p:clrMapOvr>
+  <p:timing>
+    <p:tnLst>
+      <p:par>
+        <p:cTn id="1" dur="indefinite" restart="never" nodeType="tmRoot"/>
+      </p:par>
+    </p:tnLst>
+  </p:timing>
+</p:sld>
+</file>
+
+<file path=ppt/slides/slide12.xml><?xml version="1.0" encoding="utf-8"?>
+<p:sld xmlns:a="http://schemas.openxmlformats.org/drawingml/2006/main" xmlns:r="http://schemas.openxmlformats.org/officeDocument/2006/relationships" xmlns:p="http://schemas.openxmlformats.org/presentationml/2006/main">
+  <p:cSld>
+    <p:spTree>
+      <p:nvGrpSpPr>
+        <p:cNvPr id="1" name=""/>
+        <p:cNvGrpSpPr/>
+        <p:nvPr/>
+      </p:nvGrpSpPr>
+      <p:grpSpPr>
+        <a:xfrm>
+          <a:off x="0" y="0"/>
+          <a:ext cx="0" cy="0"/>
+          <a:chOff x="0" y="0"/>
+          <a:chExt cx="0" cy="0"/>
+        </a:xfrm>
+      </p:grpSpPr>
+      <p:sp>
+        <p:nvSpPr>
+          <p:cNvPr id="2" name="Title 1"/>
+          <p:cNvSpPr>
+            <a:spLocks noGrp="1"/>
+          </p:cNvSpPr>
+          <p:nvPr>
+            <p:ph type="title"/>
+          </p:nvPr>
+        </p:nvSpPr>
+        <p:spPr>
+          <a:xfrm>
+            <a:off x="457200" y="449932"/>
+            <a:ext cx="8286750" cy="1150353"/>
+          </a:xfrm>
+        </p:spPr>
+        <p:txBody>
+          <a:bodyPr>
+            <a:normAutofit/>
+          </a:bodyPr>
+          <a:lstStyle/>
+          <a:p>
+            <a:r>
+              <a:rPr lang="en-CA" dirty="0" smtClean="0">
+                <a:latin typeface="+mn-lt"/>
+              </a:rPr>
+              <a:t>Establishing Causality</a:t>
+            </a:r>
+            <a:endParaRPr lang="en-CA" dirty="0">
+              <a:latin typeface="+mn-lt"/>
+            </a:endParaRPr>
+          </a:p>
+        </p:txBody>
+      </p:sp>
+      <p:sp>
+        <p:nvSpPr>
+          <p:cNvPr id="3" name="Content Placeholder 2"/>
+          <p:cNvSpPr>
+            <a:spLocks noGrp="1"/>
+          </p:cNvSpPr>
+          <p:nvPr>
+            <p:ph idx="1"/>
+          </p:nvPr>
+        </p:nvSpPr>
+        <p:spPr>
+          <a:xfrm>
+            <a:off x="457200" y="1756947"/>
+            <a:ext cx="8286750" cy="3596103"/>
+          </a:xfrm>
+        </p:spPr>
+        <p:txBody>
+          <a:bodyPr>
+            <a:normAutofit/>
+          </a:bodyPr>
+          <a:lstStyle/>
+          <a:p>
+            <a:r>
+              <a:rPr lang="en-CA" dirty="0" smtClean="0">
+                <a:latin typeface="Avenir LT Std 45 Book" pitchFamily="34" charset="0"/>
+              </a:rPr>
+              <a:t>Example: Researcher test the effect of a new drug on lung cancer by giving the drug to 75% of subjects (randomly selected), and a placebo drug to the other subjects</a:t>
+            </a:r>
+          </a:p>
+          <a:p>
+            <a:pPr lvl="1"/>
+            <a:r>
+              <a:rPr lang="en-CA" dirty="0" smtClean="0">
+                <a:latin typeface="Avenir LT Std 45 Book" pitchFamily="34" charset="0"/>
+              </a:rPr>
+              <a:t>Randomized control experiment since researcher randomly selected treatment and control groups</a:t>
+            </a:r>
+          </a:p>
+          <a:p>
+            <a:r>
+              <a:rPr lang="en-CA" dirty="0" smtClean="0">
+                <a:latin typeface="Avenir LT Std 45 Book" pitchFamily="34" charset="0"/>
+              </a:rPr>
+              <a:t>Example: Psychologist stood outside an elementary school and asked the first 100 students they saw whether the student played basketball</a:t>
+            </a:r>
+          </a:p>
+          <a:p>
+            <a:pPr lvl="1"/>
+            <a:r>
+              <a:rPr lang="en-CA" dirty="0" smtClean="0">
+                <a:latin typeface="Avenir LT Std 45 Book" pitchFamily="34" charset="0"/>
+              </a:rPr>
+              <a:t>Observational or randomized study?</a:t>
+            </a:r>
+            <a:endParaRPr lang="en-CA" dirty="0" smtClean="0">
+              <a:latin typeface="Avenir LT Std 45 Book" pitchFamily="34" charset="0"/>
+            </a:endParaRPr>
+          </a:p>
+          <a:p>
+            <a:pPr lvl="1"/>
+            <a:endParaRPr lang="en-CA" dirty="0">
+              <a:latin typeface="Avenir LT Std 45 Book" pitchFamily="34" charset="0"/>
+            </a:endParaRPr>
+          </a:p>
+        </p:txBody>
+      </p:sp>
+    </p:spTree>
+    <p:extLst>
+      <p:ext uri="{BB962C8B-B14F-4D97-AF65-F5344CB8AC3E}">
+        <p14:creationId xmlns:p14="http://schemas.microsoft.com/office/powerpoint/2010/main" val="2912186225"/>
+      </p:ext>
+    </p:extLst>
+  </p:cSld>
+  <p:clrMapOvr>
+    <a:masterClrMapping/>
+  </p:clrMapOvr>
+  <p:timing>
+    <p:tnLst>
+      <p:par>
+        <p:cTn id="1" dur="indefinite" restart="never" nodeType="tmRoot"/>
+      </p:par>
+    </p:tnLst>
+  </p:timing>
+</p:sld>
+</file>
+
+<file path=ppt/slides/slide13.xml><?xml version="1.0" encoding="utf-8"?>
+<p:sld xmlns:a="http://schemas.openxmlformats.org/drawingml/2006/main" xmlns:r="http://schemas.openxmlformats.org/officeDocument/2006/relationships" xmlns:p="http://schemas.openxmlformats.org/presentationml/2006/main">
+  <p:cSld>
+    <p:spTree>
+      <p:nvGrpSpPr>
+        <p:cNvPr id="1" name=""/>
+        <p:cNvGrpSpPr/>
+        <p:nvPr/>
+      </p:nvGrpSpPr>
+      <p:grpSpPr>
+        <a:xfrm>
+          <a:off x="0" y="0"/>
+          <a:ext cx="0" cy="0"/>
+          <a:chOff x="0" y="0"/>
+          <a:chExt cx="0" cy="0"/>
+        </a:xfrm>
+      </p:grpSpPr>
+      <p:sp>
+        <p:nvSpPr>
+          <p:cNvPr id="2" name="Title 1"/>
+          <p:cNvSpPr>
+            <a:spLocks noGrp="1"/>
+          </p:cNvSpPr>
+          <p:nvPr>
+            <p:ph type="title"/>
+          </p:nvPr>
+        </p:nvSpPr>
+        <p:spPr>
+          <a:xfrm>
+            <a:off x="457200" y="449932"/>
+            <a:ext cx="8286750" cy="1150353"/>
+          </a:xfrm>
+        </p:spPr>
+        <p:txBody>
+          <a:bodyPr>
+            <a:normAutofit/>
+          </a:bodyPr>
+          <a:lstStyle/>
+          <a:p>
+            <a:r>
+              <a:rPr lang="en-CA" dirty="0" smtClean="0">
+                <a:latin typeface="+mn-lt"/>
+              </a:rPr>
+              <a:t>Establishing Causality</a:t>
+            </a:r>
+            <a:endParaRPr lang="en-CA" dirty="0">
+              <a:latin typeface="+mn-lt"/>
+            </a:endParaRPr>
+          </a:p>
+        </p:txBody>
+      </p:sp>
+      <p:sp>
+        <p:nvSpPr>
+          <p:cNvPr id="3" name="Content Placeholder 2"/>
+          <p:cNvSpPr>
+            <a:spLocks noGrp="1"/>
+          </p:cNvSpPr>
+          <p:nvPr>
+            <p:ph idx="1"/>
+          </p:nvPr>
+        </p:nvSpPr>
+        <p:spPr>
+          <a:xfrm>
+            <a:off x="457200" y="1756947"/>
+            <a:ext cx="8286750" cy="3596103"/>
+          </a:xfrm>
+        </p:spPr>
+        <p:txBody>
+          <a:bodyPr>
+            <a:normAutofit fontScale="92500" lnSpcReduction="10000"/>
+          </a:bodyPr>
+          <a:lstStyle/>
+          <a:p>
+            <a:r>
+              <a:rPr lang="en-CA" dirty="0" smtClean="0">
+                <a:latin typeface="Avenir LT Std 45 Book" pitchFamily="34" charset="0"/>
+              </a:rPr>
+              <a:t>Observational Study: Cannot prove causation!!</a:t>
+            </a:r>
+          </a:p>
+          <a:p>
+            <a:r>
+              <a:rPr lang="en-CA" dirty="0" smtClean="0">
+                <a:latin typeface="Avenir LT Std 45 Book" pitchFamily="34" charset="0"/>
+              </a:rPr>
+              <a:t>Randomized Control Experiment: Can sometimes prove causation, but also other potential problems:</a:t>
+            </a:r>
+          </a:p>
+          <a:p>
+            <a:pPr lvl="1"/>
+            <a:r>
+              <a:rPr lang="en-CA" dirty="0" smtClean="0">
+                <a:latin typeface="Avenir LT Std 45 Book" pitchFamily="34" charset="0"/>
+              </a:rPr>
+              <a:t>Selection bias: Study’s subjects don’t represent a typical member of the population</a:t>
+            </a:r>
+          </a:p>
+          <a:p>
+            <a:pPr lvl="2"/>
+            <a:r>
+              <a:rPr lang="en-CA" dirty="0" smtClean="0">
+                <a:latin typeface="Avenir LT Std 45 Book" pitchFamily="34" charset="0"/>
+              </a:rPr>
+              <a:t>Example: Drug trial subjects are only white males</a:t>
+            </a:r>
+          </a:p>
+          <a:p>
+            <a:pPr lvl="1"/>
+            <a:r>
+              <a:rPr lang="en-CA" dirty="0" smtClean="0">
+                <a:latin typeface="Avenir LT Std 45 Book" pitchFamily="34" charset="0"/>
+              </a:rPr>
+              <a:t>Measurement error: People don’t answer truthfully</a:t>
+            </a:r>
+          </a:p>
+          <a:p>
+            <a:pPr lvl="2"/>
+            <a:r>
+              <a:rPr lang="en-CA" dirty="0" smtClean="0">
+                <a:latin typeface="Avenir LT Std 45 Book" pitchFamily="34" charset="0"/>
+              </a:rPr>
+              <a:t>Example: Farmers may underestimate crop numbers to get more aid in a government agriculture survey</a:t>
+            </a:r>
+          </a:p>
+          <a:p>
+            <a:pPr lvl="1"/>
+            <a:r>
+              <a:rPr lang="en-CA" dirty="0" smtClean="0">
+                <a:latin typeface="Avenir LT Std 45 Book" pitchFamily="34" charset="0"/>
+              </a:rPr>
+              <a:t>Questionnaire design: Leading questions, order of questions</a:t>
+            </a:r>
+          </a:p>
+          <a:p>
+            <a:pPr lvl="2"/>
+            <a:r>
+              <a:rPr lang="en-CA" dirty="0" smtClean="0">
+                <a:latin typeface="Avenir LT Std 45 Book" pitchFamily="34" charset="0"/>
+              </a:rPr>
+              <a:t>Example: “Do you agree with America’s pointless intervention in Afghanistan?”</a:t>
+            </a:r>
+          </a:p>
+          <a:p>
+            <a:pPr lvl="1"/>
+            <a:endParaRPr lang="en-CA" dirty="0">
+              <a:latin typeface="Avenir LT Std 45 Book" pitchFamily="34" charset="0"/>
+            </a:endParaRPr>
+          </a:p>
+        </p:txBody>
+      </p:sp>
+      <p:sp>
+        <p:nvSpPr>
+          <p:cNvPr id="4" name="TextBox 3"/>
+          <p:cNvSpPr txBox="1"/>
+          <p:nvPr/>
+        </p:nvSpPr>
+        <p:spPr>
+          <a:xfrm>
+            <a:off x="5543549" y="5200650"/>
+            <a:ext cx="3000375" cy="923330"/>
+          </a:xfrm>
+          <a:prstGeom prst="rect">
+            <a:avLst/>
+          </a:prstGeom>
+          <a:noFill/>
+        </p:spPr>
+        <p:txBody>
+          <a:bodyPr wrap="square" rtlCol="0">
+            <a:spAutoFit/>
+          </a:bodyPr>
+          <a:lstStyle/>
+          <a:p>
+            <a:pPr algn="r"/>
+            <a:r>
+              <a:rPr lang="en-CA" dirty="0" smtClean="0"/>
+              <a:t>Come to OH to hear more or check out Stat 152: Sampling Surveys!</a:t>
+            </a:r>
+            <a:endParaRPr lang="en-CA" dirty="0"/>
+          </a:p>
+        </p:txBody>
+      </p:sp>
+    </p:spTree>
+    <p:extLst>
+      <p:ext uri="{BB962C8B-B14F-4D97-AF65-F5344CB8AC3E}">
+        <p14:creationId xmlns:p14="http://schemas.microsoft.com/office/powerpoint/2010/main" val="2912186225"/>
+      </p:ext>
+    </p:extLst>
+  </p:cSld>
+  <p:clrMapOvr>
+    <a:masterClrMapping/>
+  </p:clrMapOvr>
+  <p:timing>
+    <p:tnLst>
+      <p:par>
+        <p:cTn id="1" dur="indefinite" restart="never" nodeType="tmRoot"/>
+      </p:par>
+    </p:tnLst>
+  </p:timing>
+</p:sld>
+</file>
+
+<file path=ppt/slides/slide14.xml><?xml version="1.0" encoding="utf-8"?>
+<p:sld xmlns:a="http://schemas.openxmlformats.org/drawingml/2006/main" xmlns:r="http://schemas.openxmlformats.org/officeDocument/2006/relationships" xmlns:p="http://schemas.openxmlformats.org/presentationml/2006/main">
+  <p:cSld>
+    <p:spTree>
+      <p:nvGrpSpPr>
+        <p:cNvPr id="1" name=""/>
+        <p:cNvGrpSpPr/>
+        <p:nvPr/>
+      </p:nvGrpSpPr>
+      <p:grpSpPr>
+        <a:xfrm>
+          <a:off x="0" y="0"/>
+          <a:ext cx="0" cy="0"/>
+          <a:chOff x="0" y="0"/>
+          <a:chExt cx="0" cy="0"/>
+        </a:xfrm>
+      </p:grpSpPr>
+      <p:sp>
+        <p:nvSpPr>
+          <p:cNvPr id="2" name="Title 1"/>
+          <p:cNvSpPr>
+            <a:spLocks noGrp="1"/>
+          </p:cNvSpPr>
+          <p:nvPr>
+            <p:ph type="title"/>
+          </p:nvPr>
+        </p:nvSpPr>
+        <p:spPr>
+          <a:xfrm>
+            <a:off x="457200" y="449932"/>
+            <a:ext cx="8286750" cy="1150353"/>
+          </a:xfrm>
+        </p:spPr>
+        <p:txBody>
+          <a:bodyPr>
+            <a:normAutofit/>
+          </a:bodyPr>
+          <a:lstStyle/>
+          <a:p>
+            <a:r>
+              <a:rPr lang="en-CA" dirty="0" smtClean="0">
+                <a:latin typeface="+mn-lt"/>
+              </a:rPr>
+              <a:t>More Resources</a:t>
+            </a:r>
+            <a:endParaRPr lang="en-CA" dirty="0">
+              <a:latin typeface="+mn-lt"/>
+            </a:endParaRPr>
+          </a:p>
+        </p:txBody>
+      </p:sp>
+      <p:sp>
+        <p:nvSpPr>
+          <p:cNvPr id="3" name="Content Placeholder 2"/>
+          <p:cNvSpPr>
+            <a:spLocks noGrp="1"/>
+          </p:cNvSpPr>
+          <p:nvPr>
+            <p:ph idx="1"/>
+          </p:nvPr>
+        </p:nvSpPr>
+        <p:spPr>
+          <a:xfrm>
+            <a:off x="457200" y="1756947"/>
+            <a:ext cx="8286750" cy="3596103"/>
+          </a:xfrm>
+        </p:spPr>
+        <p:txBody>
+          <a:bodyPr>
+            <a:normAutofit/>
+          </a:bodyPr>
+          <a:lstStyle/>
+          <a:p>
+            <a:r>
+              <a:rPr lang="en-CA" dirty="0" smtClean="0">
+                <a:hlinkClick r:id="rId2"/>
+              </a:rPr>
+              <a:t>http</a:t>
+            </a:r>
+            <a:r>
+              <a:rPr lang="en-CA" dirty="0">
+                <a:hlinkClick r:id="rId2"/>
+              </a:rPr>
+              <a:t>://</a:t>
+            </a:r>
+            <a:r>
+              <a:rPr lang="en-CA" dirty="0" smtClean="0">
+                <a:hlinkClick r:id="rId2"/>
+              </a:rPr>
+              <a:t>data8.org/materials-sp18/lec/ch2notes.pdf</a:t>
+            </a:r>
+            <a:endParaRPr lang="en-CA" dirty="0" smtClean="0"/>
+          </a:p>
+        </p:txBody>
+      </p:sp>
+    </p:spTree>
+    <p:extLst>
+      <p:ext uri="{BB962C8B-B14F-4D97-AF65-F5344CB8AC3E}">
+        <p14:creationId xmlns:p14="http://schemas.microsoft.com/office/powerpoint/2010/main" val="2687181237"/>
+      </p:ext>
+    </p:extLst>
+  </p:cSld>
+  <p:clrMapOvr>
+    <a:masterClrMapping/>
+  </p:clrMapOvr>
+  <p:timing>
+    <p:tnLst>
+      <p:par>
+        <p:cTn id="1" dur="indefinite" restart="never" nodeType="tmRoot"/>
+      </p:par>
+    </p:tnLst>
+  </p:timing>
+</p:sld>
+</file>
+
+<file path=ppt/slides/slide15.xml><?xml version="1.0" encoding="utf-8"?>
+<p:sld xmlns:a="http://schemas.openxmlformats.org/drawingml/2006/main" xmlns:r="http://schemas.openxmlformats.org/officeDocument/2006/relationships" xmlns:p="http://schemas.openxmlformats.org/presentationml/2006/main">
+  <p:cSld>
+    <p:spTree>
+      <p:nvGrpSpPr>
+        <p:cNvPr id="1" name=""/>
+        <p:cNvGrpSpPr/>
+        <p:nvPr/>
+      </p:nvGrpSpPr>
+      <p:grpSpPr>
+        <a:xfrm>
+          <a:off x="0" y="0"/>
+          <a:ext cx="0" cy="0"/>
+          <a:chOff x="0" y="0"/>
+          <a:chExt cx="0" cy="0"/>
+        </a:xfrm>
+      </p:grpSpPr>
+      <p:sp>
+        <p:nvSpPr>
+          <p:cNvPr id="2" name="Title 1"/>
+          <p:cNvSpPr>
+            <a:spLocks noGrp="1"/>
+          </p:cNvSpPr>
+          <p:nvPr>
+            <p:ph type="title"/>
+          </p:nvPr>
+        </p:nvSpPr>
+        <p:spPr>
+          <a:xfrm>
+            <a:off x="457200" y="449932"/>
+            <a:ext cx="8286750" cy="1150353"/>
+          </a:xfrm>
+        </p:spPr>
+        <p:txBody>
+          <a:bodyPr/>
+          <a:lstStyle/>
+          <a:p>
+            <a:r>
+              <a:rPr lang="en-CA" dirty="0" smtClean="0">
+                <a:latin typeface="+mn-lt"/>
+              </a:rPr>
+              <a:t>Announcements</a:t>
+            </a:r>
+            <a:endParaRPr lang="en-CA" dirty="0">
+              <a:latin typeface="+mn-lt"/>
+            </a:endParaRPr>
+          </a:p>
+        </p:txBody>
+      </p:sp>
+      <p:sp>
+        <p:nvSpPr>
+          <p:cNvPr id="3" name="Content Placeholder 2"/>
+          <p:cNvSpPr>
+            <a:spLocks noGrp="1"/>
+          </p:cNvSpPr>
+          <p:nvPr>
+            <p:ph idx="1"/>
+          </p:nvPr>
+        </p:nvSpPr>
+        <p:spPr>
+          <a:xfrm>
+            <a:off x="457200" y="1756947"/>
+            <a:ext cx="8286750" cy="3596103"/>
+          </a:xfrm>
+        </p:spPr>
+        <p:txBody>
+          <a:bodyPr/>
+          <a:lstStyle/>
+          <a:p>
+            <a:endParaRPr lang="en-CA" dirty="0">
+              <a:latin typeface="Avenir LT Std 45 Book" pitchFamily="34" charset="0"/>
+            </a:endParaRPr>
+          </a:p>
+        </p:txBody>
+      </p:sp>
+    </p:spTree>
+    <p:extLst>
+      <p:ext uri="{BB962C8B-B14F-4D97-AF65-F5344CB8AC3E}">
+        <p14:creationId xmlns:p14="http://schemas.microsoft.com/office/powerpoint/2010/main" val="203414778"/>
+      </p:ext>
+    </p:extLst>
+  </p:cSld>
+  <p:clrMapOvr>
+    <a:masterClrMapping/>
+  </p:clrMapOvr>
+  <p:timing>
+    <p:tnLst>
+      <p:par>
+        <p:cTn id="1" dur="indefinite" restart="never" nodeType="tmRoot"/>
+      </p:par>
+    </p:tnLst>
+  </p:timing>
+</p:sld>
+</file>
+
+<file path=ppt/slides/slide16.xml><?xml version="1.0" encoding="utf-8"?>
+<p:sld xmlns:a="http://schemas.openxmlformats.org/drawingml/2006/main" xmlns:r="http://schemas.openxmlformats.org/officeDocument/2006/relationships" xmlns:p="http://schemas.openxmlformats.org/presentationml/2006/main">
+  <p:cSld>
+    <p:spTree>
+      <p:nvGrpSpPr>
+        <p:cNvPr id="1" name=""/>
+        <p:cNvGrpSpPr/>
+        <p:nvPr/>
+      </p:nvGrpSpPr>
+      <p:grpSpPr>
+        <a:xfrm>
+          <a:off x="0" y="0"/>
+          <a:ext cx="0" cy="0"/>
+          <a:chOff x="0" y="0"/>
+          <a:chExt cx="0" cy="0"/>
+        </a:xfrm>
+      </p:grpSpPr>
+      <p:sp>
+        <p:nvSpPr>
+          <p:cNvPr id="2" name="Title 1"/>
+          <p:cNvSpPr>
+            <a:spLocks noGrp="1"/>
+          </p:cNvSpPr>
+          <p:nvPr>
+            <p:ph type="title"/>
+          </p:nvPr>
+        </p:nvSpPr>
+        <p:spPr>
+          <a:xfrm>
+            <a:off x="457200" y="449932"/>
+            <a:ext cx="8286750" cy="1150353"/>
+          </a:xfrm>
+        </p:spPr>
+        <p:txBody>
+          <a:bodyPr/>
+          <a:lstStyle/>
+          <a:p>
+            <a:r>
+              <a:rPr lang="en-CA" dirty="0" smtClean="0">
+                <a:latin typeface="+mn-lt"/>
+              </a:rPr>
+              <a:t>Lab Notebook</a:t>
+            </a:r>
+            <a:endParaRPr lang="en-CA" dirty="0">
+              <a:latin typeface="+mn-lt"/>
+            </a:endParaRPr>
+          </a:p>
+        </p:txBody>
+      </p:sp>
+      <p:sp>
+        <p:nvSpPr>
+          <p:cNvPr id="3" name="Content Placeholder 2"/>
+          <p:cNvSpPr>
+            <a:spLocks noGrp="1"/>
+          </p:cNvSpPr>
+          <p:nvPr>
+            <p:ph idx="1"/>
+          </p:nvPr>
+        </p:nvSpPr>
+        <p:spPr>
+          <a:xfrm>
+            <a:off x="457200" y="1756947"/>
+            <a:ext cx="8286750" cy="3596103"/>
+          </a:xfrm>
+        </p:spPr>
+        <p:txBody>
+          <a:bodyPr/>
+          <a:lstStyle/>
+          <a:p>
+            <a:pPr marL="0" indent="0">
+              <a:buNone/>
+            </a:pPr>
+            <a:r>
+              <a:rPr lang="en-CA" smtClean="0">
+                <a:latin typeface="Avenir LT Std 45 Book" pitchFamily="34" charset="0"/>
+              </a:rPr>
+              <a:t>TBD</a:t>
+            </a:r>
+          </a:p>
+        </p:txBody>
+      </p:sp>
+    </p:spTree>
+    <p:extLst>
+      <p:ext uri="{BB962C8B-B14F-4D97-AF65-F5344CB8AC3E}">
+        <p14:creationId xmlns:p14="http://schemas.microsoft.com/office/powerpoint/2010/main" val="687167673"/>
       </p:ext>
     </p:extLst>
   </p:cSld>
@@ -7765,8 +8755,14 @@
           <a:bodyPr/>
           <a:lstStyle/>
           <a:p>
+            <a:r>
+              <a:rPr lang="en-CA" dirty="0" smtClean="0">
+                <a:latin typeface="+mn-lt"/>
+              </a:rPr>
+              <a:t>Causality</a:t>
+            </a:r>
             <a:endParaRPr lang="en-CA" dirty="0">
-              <a:latin typeface="Avenir LT Std 45 Book" pitchFamily="34" charset="0"/>
+              <a:latin typeface="+mn-lt"/>
             </a:endParaRPr>
           </a:p>
         </p:txBody>
@@ -7783,24 +8779,27 @@
         </p:nvSpPr>
         <p:spPr>
           <a:xfrm>
-            <a:off x="457200" y="2486025"/>
-            <a:ext cx="8286750" cy="3067050"/>
+            <a:off x="457200" y="1756947"/>
+            <a:ext cx="8286750" cy="3596103"/>
           </a:xfrm>
         </p:spPr>
         <p:txBody>
-          <a:bodyPr>
-            <a:normAutofit/>
-          </a:bodyPr>
+          <a:bodyPr/>
           <a:lstStyle/>
           <a:p>
-            <a:pPr marL="0" indent="0">
-              <a:buNone/>
-            </a:pPr>
             <a:r>
               <a:rPr lang="en-CA" dirty="0" smtClean="0">
                 <a:latin typeface="Avenir LT Std 45 Book" pitchFamily="34" charset="0"/>
               </a:rPr>
-              <a:t>I’m a senior from Toronto, Canada studying stats and applied math, and this is my seventh semester teaching at Cal. </a:t>
+              <a:t>Treatment: Factor of interest </a:t>
+            </a:r>
+          </a:p>
+          <a:p>
+            <a:r>
+              <a:rPr lang="en-CA" dirty="0" smtClean="0">
+                <a:latin typeface="Avenir LT Std 45 Book" pitchFamily="34" charset="0"/>
+              </a:rPr>
+              <a:t>Outcome: What is being measured</a:t>
             </a:r>
           </a:p>
           <a:p>
@@ -7813,146 +8812,51 @@
           </a:p>
           <a:p>
             <a:r>
-              <a:rPr lang="en-CA" b="1" dirty="0" smtClean="0">
-                <a:latin typeface="Avenir LT Std 45 Book" pitchFamily="34" charset="0"/>
-              </a:rPr>
-              <a:t>Email:</a:t>
-            </a:r>
-            <a:r>
               <a:rPr lang="en-CA" dirty="0" smtClean="0">
                 <a:latin typeface="Avenir LT Std 45 Book" pitchFamily="34" charset="0"/>
               </a:rPr>
-              <a:t> </a:t>
-            </a:r>
+              <a:t>Example: Study the effect of capital punishment on a state’s murder rate</a:t>
+            </a:r>
+          </a:p>
+          <a:p>
+            <a:pPr lvl="1"/>
             <a:r>
               <a:rPr lang="en-CA" dirty="0" smtClean="0">
                 <a:latin typeface="Avenir LT Std 45 Book" pitchFamily="34" charset="0"/>
-                <a:hlinkClick r:id="rId2"/>
               </a:rPr>
-              <a:t>hubertluo@berkeley.edu</a:t>
-            </a:r>
-            <a:endParaRPr lang="en-CA" dirty="0" smtClean="0">
-              <a:latin typeface="Avenir LT Std 45 Book" pitchFamily="34" charset="0"/>
-            </a:endParaRPr>
-          </a:p>
-          <a:p>
-            <a:r>
-              <a:rPr lang="en-CA" b="1" smtClean="0">
-                <a:latin typeface="Avenir LT Std 45 Book" pitchFamily="34" charset="0"/>
-              </a:rPr>
-              <a:t>Lab Website</a:t>
-            </a:r>
-            <a:r>
-              <a:rPr lang="en-CA" b="1" dirty="0" smtClean="0">
-                <a:latin typeface="Avenir LT Std 45 Book" pitchFamily="34" charset="0"/>
-              </a:rPr>
-              <a:t>:</a:t>
+              <a:t>Treatment: </a:t>
             </a:r>
             <a:r>
               <a:rPr lang="en-CA" dirty="0">
                 <a:latin typeface="Avenir LT Std 45 Book" pitchFamily="34" charset="0"/>
               </a:rPr>
-              <a:t> </a:t>
-            </a:r>
-            <a:r>
-              <a:rPr lang="en-CA" dirty="0">
-                <a:latin typeface="Avenir LT Std 45 Book" pitchFamily="34" charset="0"/>
-                <a:hlinkClick r:id="rId3"/>
-              </a:rPr>
-              <a:t>https</a:t>
-            </a:r>
-            <a:r>
-              <a:rPr lang="en-CA">
-                <a:latin typeface="Avenir LT Std 45 Book" pitchFamily="34" charset="0"/>
-                <a:hlinkClick r:id="rId3"/>
-              </a:rPr>
-              <a:t>://</a:t>
-            </a:r>
-            <a:r>
-              <a:rPr lang="en-CA" smtClean="0">
-                <a:latin typeface="Avenir LT Std 45 Book" pitchFamily="34" charset="0"/>
-                <a:hlinkClick r:id="rId3"/>
-              </a:rPr>
-              <a:t>hluo27.github.io/data8</a:t>
-            </a:r>
-            <a:endParaRPr lang="en-CA" smtClean="0">
-              <a:latin typeface="Avenir LT Std 45 Book" pitchFamily="34" charset="0"/>
-            </a:endParaRPr>
-          </a:p>
-          <a:p>
-            <a:r>
-              <a:rPr lang="en-CA" b="1" smtClean="0">
-                <a:latin typeface="Avenir LT Std 45 Book" pitchFamily="34" charset="0"/>
-              </a:rPr>
-              <a:t>Lab</a:t>
-            </a:r>
-            <a:r>
-              <a:rPr lang="en-CA" b="1" dirty="0" smtClean="0">
-                <a:latin typeface="Avenir LT Std 45 Book" pitchFamily="34" charset="0"/>
-              </a:rPr>
-              <a:t>:</a:t>
+              <a:t>Whether a state has capital </a:t>
             </a:r>
             <a:r>
               <a:rPr lang="en-CA" dirty="0" smtClean="0">
                 <a:latin typeface="Avenir LT Std 45 Book" pitchFamily="34" charset="0"/>
               </a:rPr>
-              <a:t> TBD</a:t>
-            </a:r>
-          </a:p>
-          <a:p>
-            <a:r>
-              <a:rPr lang="en-CA" b="1" dirty="0" smtClean="0">
-                <a:latin typeface="Avenir LT Std 45 Book" pitchFamily="34" charset="0"/>
-              </a:rPr>
-              <a:t>Office Hours: </a:t>
-            </a:r>
+              <a:t>punishment</a:t>
+            </a:r>
+          </a:p>
+          <a:p>
+            <a:pPr lvl="1"/>
             <a:r>
               <a:rPr lang="en-CA" dirty="0" smtClean="0">
                 <a:latin typeface="Avenir LT Std 45 Book" pitchFamily="34" charset="0"/>
               </a:rPr>
-              <a:t>TBD</a:t>
-            </a:r>
+              <a:t>Outcome: A state’s murder rate</a:t>
+            </a:r>
+            <a:endParaRPr lang="en-CA" dirty="0">
+              <a:latin typeface="Avenir LT Std 45 Book" pitchFamily="34" charset="0"/>
+            </a:endParaRPr>
           </a:p>
         </p:txBody>
       </p:sp>
-      <p:pic>
-        <p:nvPicPr>
-          <p:cNvPr id="4" name="Picture 3"/>
-          <p:cNvPicPr>
-            <a:picLocks noChangeAspect="1"/>
-          </p:cNvPicPr>
-          <p:nvPr/>
-        </p:nvPicPr>
-        <p:blipFill>
-          <a:blip r:embed="rId4">
-            <a:extLst>
-              <a:ext uri="{28A0092B-C50C-407E-A947-70E740481C1C}">
-                <a14:useLocalDpi xmlns:a14="http://schemas.microsoft.com/office/drawing/2010/main" val="0"/>
-              </a:ext>
-            </a:extLst>
-          </a:blip>
-          <a:stretch>
-            <a:fillRect/>
-          </a:stretch>
-        </p:blipFill>
-        <p:spPr>
-          <a:xfrm>
-            <a:off x="3653295" y="449932"/>
-            <a:ext cx="1837411" cy="1836951"/>
-          </a:xfrm>
-          <a:prstGeom prst="ellipse">
-            <a:avLst/>
-          </a:prstGeom>
-          <a:ln w="63500" cap="rnd">
-            <a:noFill/>
-          </a:ln>
-          <a:effectLst/>
-        </p:spPr>
-      </p:pic>
     </p:spTree>
     <p:extLst>
       <p:ext uri="{BB962C8B-B14F-4D97-AF65-F5344CB8AC3E}">
-        <p14:creationId xmlns:p14="http://schemas.microsoft.com/office/powerpoint/2010/main" val="2856288351"/>
+        <p14:creationId xmlns:p14="http://schemas.microsoft.com/office/powerpoint/2010/main" val="1544152936"/>
       </p:ext>
     </p:extLst>
   </p:cSld>
@@ -8010,7 +8914,7 @@
               <a:rPr lang="en-CA" dirty="0" smtClean="0">
                 <a:latin typeface="+mn-lt"/>
               </a:rPr>
-              <a:t>Lab Policies</a:t>
+              <a:t>Causality</a:t>
             </a:r>
             <a:endParaRPr lang="en-CA" dirty="0">
               <a:latin typeface="+mn-lt"/>
@@ -8031,21 +8935,101 @@
         <p:spPr>
           <a:xfrm>
             <a:off x="457200" y="1756947"/>
-            <a:ext cx="8286750" cy="3596103"/>
+            <a:ext cx="8286750" cy="3919953"/>
           </a:xfrm>
         </p:spPr>
         <p:txBody>
-          <a:bodyPr/>
+          <a:bodyPr>
+            <a:normAutofit lnSpcReduction="10000"/>
+          </a:bodyPr>
           <a:lstStyle/>
           <a:p>
-            <a:pPr marL="0" indent="0">
-              <a:buNone/>
-            </a:pPr>
             <a:r>
               <a:rPr lang="en-CA" dirty="0" smtClean="0">
                 <a:latin typeface="Avenir LT Std 45 Book" pitchFamily="34" charset="0"/>
               </a:rPr>
-              <a:t>TBD</a:t>
+              <a:t>Association: Any relationship between the treatment and outcome (aka there is a </a:t>
+            </a:r>
+            <a:r>
+              <a:rPr lang="en-CA" b="1" dirty="0" smtClean="0">
+                <a:latin typeface="Avenir LT Std 45 Book" pitchFamily="34" charset="0"/>
+              </a:rPr>
+              <a:t>correlation</a:t>
+            </a:r>
+            <a:r>
+              <a:rPr lang="en-CA" dirty="0" smtClean="0">
+                <a:latin typeface="Avenir LT Std 45 Book" pitchFamily="34" charset="0"/>
+              </a:rPr>
+              <a:t> between them)</a:t>
+            </a:r>
+          </a:p>
+          <a:p>
+            <a:r>
+              <a:rPr lang="en-CA" dirty="0" smtClean="0">
+                <a:latin typeface="Avenir LT Std 45 Book" pitchFamily="34" charset="0"/>
+              </a:rPr>
+              <a:t>Causation: The treatment </a:t>
+            </a:r>
+            <a:r>
+              <a:rPr lang="en-CA" i="1" dirty="0" smtClean="0">
+                <a:latin typeface="Avenir LT Std 45 Book" pitchFamily="34" charset="0"/>
+              </a:rPr>
+              <a:t>causes</a:t>
+            </a:r>
+            <a:r>
+              <a:rPr lang="en-CA" dirty="0" smtClean="0">
+                <a:latin typeface="Avenir LT Std 45 Book" pitchFamily="34" charset="0"/>
+              </a:rPr>
+              <a:t> the outcome</a:t>
+            </a:r>
+          </a:p>
+          <a:p>
+            <a:pPr lvl="1"/>
+            <a:r>
+              <a:rPr lang="en-CA" b="1" dirty="0" smtClean="0">
+                <a:latin typeface="Avenir LT Std 45 Book" pitchFamily="34" charset="0"/>
+              </a:rPr>
+              <a:t>Correlation does not imply causation!!!!</a:t>
+            </a:r>
+            <a:r>
+              <a:rPr lang="en-CA" dirty="0" smtClean="0">
+                <a:latin typeface="Avenir LT Std 45 Book" pitchFamily="34" charset="0"/>
+              </a:rPr>
+              <a:t>	</a:t>
+            </a:r>
+          </a:p>
+          <a:p>
+            <a:pPr marL="0" indent="0">
+              <a:buNone/>
+            </a:pPr>
+            <a:endParaRPr lang="en-CA" dirty="0" smtClean="0">
+              <a:latin typeface="Avenir LT Std 45 Book" pitchFamily="34" charset="0"/>
+            </a:endParaRPr>
+          </a:p>
+          <a:p>
+            <a:r>
+              <a:rPr lang="en-CA" dirty="0" smtClean="0">
+                <a:latin typeface="Avenir LT Std 45 Book" pitchFamily="34" charset="0"/>
+              </a:rPr>
+              <a:t>Example: Study the effect of capital punishment on a state’s murder rate</a:t>
+            </a:r>
+          </a:p>
+          <a:p>
+            <a:pPr lvl="1"/>
+            <a:r>
+              <a:rPr lang="en-CA" dirty="0" smtClean="0">
+                <a:latin typeface="Avenir LT Std 45 Book" pitchFamily="34" charset="0"/>
+              </a:rPr>
+              <a:t>Association: Most states who have capital punishment also have high murder rate</a:t>
+            </a:r>
+          </a:p>
+          <a:p>
+            <a:pPr lvl="1"/>
+            <a:r>
+              <a:rPr lang="en-CA" dirty="0" smtClean="0">
+                <a:latin typeface="Avenir LT Std 45 Book" pitchFamily="34" charset="0"/>
+              </a:rPr>
+              <a:t>Outcome: Having capital punishment causes states to have murder rate</a:t>
             </a:r>
             <a:endParaRPr lang="en-CA" dirty="0">
               <a:latin typeface="Avenir LT Std 45 Book" pitchFamily="34" charset="0"/>
@@ -8056,7 +9040,7 @@
     </p:spTree>
     <p:extLst>
       <p:ext uri="{BB962C8B-B14F-4D97-AF65-F5344CB8AC3E}">
-        <p14:creationId xmlns:p14="http://schemas.microsoft.com/office/powerpoint/2010/main" val="3911998480"/>
+        <p14:creationId xmlns:p14="http://schemas.microsoft.com/office/powerpoint/2010/main" val="3632345298"/>
       </p:ext>
     </p:extLst>
   </p:cSld>
@@ -8107,14 +9091,16 @@
           </a:xfrm>
         </p:spPr>
         <p:txBody>
-          <a:bodyPr/>
+          <a:bodyPr>
+            <a:normAutofit/>
+          </a:bodyPr>
           <a:lstStyle/>
           <a:p>
             <a:r>
               <a:rPr lang="en-CA" dirty="0" smtClean="0">
                 <a:latin typeface="+mn-lt"/>
               </a:rPr>
-              <a:t>Introductions</a:t>
+              <a:t>Association vs. Causation</a:t>
             </a:r>
             <a:endParaRPr lang="en-CA" dirty="0">
               <a:latin typeface="+mn-lt"/>
@@ -8146,40 +9132,85 @@
               <a:rPr lang="en-CA" dirty="0" smtClean="0">
                 <a:latin typeface="Avenir LT Std 45 Book" pitchFamily="34" charset="0"/>
               </a:rPr>
-              <a:t>Name</a:t>
-            </a:r>
-          </a:p>
-          <a:p>
+              <a:t>Two variables being associated does </a:t>
+            </a:r>
+            <a:r>
+              <a:rPr lang="en-CA" b="1" dirty="0" smtClean="0">
+                <a:latin typeface="Avenir LT Std 45 Book" pitchFamily="34" charset="0"/>
+              </a:rPr>
+              <a:t>not</a:t>
+            </a:r>
             <a:r>
               <a:rPr lang="en-CA" dirty="0" smtClean="0">
                 <a:latin typeface="Avenir LT Std 45 Book" pitchFamily="34" charset="0"/>
               </a:rPr>
-              <a:t>Year</a:t>
-            </a:r>
-          </a:p>
-          <a:p>
+              <a:t> mean one causes the other!!</a:t>
+            </a:r>
+          </a:p>
+          <a:p>
+            <a:r>
+              <a:rPr lang="en-CA" dirty="0">
+                <a:latin typeface="Avenir LT Std 45 Book" pitchFamily="34" charset="0"/>
+              </a:rPr>
+              <a:t>Example</a:t>
+            </a:r>
             <a:r>
               <a:rPr lang="en-CA" dirty="0" smtClean="0">
                 <a:latin typeface="Avenir LT Std 45 Book" pitchFamily="34" charset="0"/>
               </a:rPr>
-              <a:t>Major</a:t>
-            </a:r>
-          </a:p>
-          <a:p>
+              <a:t>: Study </a:t>
+            </a:r>
+            <a:r>
+              <a:rPr lang="en-CA" dirty="0">
+                <a:latin typeface="Avenir LT Std 45 Book" pitchFamily="34" charset="0"/>
+              </a:rPr>
+              <a:t>the effect of capital punishment on a state’s murder </a:t>
+            </a:r>
             <a:r>
               <a:rPr lang="en-CA" dirty="0" smtClean="0">
                 <a:latin typeface="Avenir LT Std 45 Book" pitchFamily="34" charset="0"/>
               </a:rPr>
-              <a:t>Hometown</a:t>
-            </a:r>
-          </a:p>
-          <a:p>
+              <a:t>rate</a:t>
+            </a:r>
+          </a:p>
+          <a:p>
+            <a:pPr lvl="1"/>
             <a:r>
               <a:rPr lang="en-CA" dirty="0" smtClean="0">
                 <a:latin typeface="Avenir LT Std 45 Book" pitchFamily="34" charset="0"/>
               </a:rPr>
-              <a:t>A fun fact!</a:t>
-            </a:r>
+              <a:t>Even if states with capital punishments also have high murder rates, it does </a:t>
+            </a:r>
+            <a:r>
+              <a:rPr lang="en-CA" b="1" dirty="0" smtClean="0">
+                <a:latin typeface="Avenir LT Std 45 Book" pitchFamily="34" charset="0"/>
+              </a:rPr>
+              <a:t>not</a:t>
+            </a:r>
+            <a:r>
+              <a:rPr lang="en-CA" dirty="0" smtClean="0">
+                <a:latin typeface="Avenir LT Std 45 Book" pitchFamily="34" charset="0"/>
+              </a:rPr>
+              <a:t> mean having capital punishment</a:t>
+            </a:r>
+            <a:r>
+              <a:rPr lang="en-CA" i="1" dirty="0" smtClean="0">
+                <a:latin typeface="Avenir LT Std 45 Book" pitchFamily="34" charset="0"/>
+              </a:rPr>
+              <a:t> causes</a:t>
+            </a:r>
+            <a:r>
+              <a:rPr lang="en-CA" dirty="0" smtClean="0">
+                <a:latin typeface="Avenir LT Std 45 Book" pitchFamily="34" charset="0"/>
+              </a:rPr>
+              <a:t> them to have high murder rates</a:t>
+            </a:r>
+            <a:endParaRPr lang="en-CA" dirty="0" smtClean="0">
+              <a:latin typeface="Avenir LT Std 45 Book" pitchFamily="34" charset="0"/>
+            </a:endParaRPr>
+          </a:p>
+          <a:p>
+            <a:pPr lvl="1"/>
             <a:endParaRPr lang="en-CA" dirty="0">
               <a:latin typeface="Avenir LT Std 45 Book" pitchFamily="34" charset="0"/>
             </a:endParaRPr>
@@ -8189,7 +9220,7 @@
     </p:spTree>
     <p:extLst>
       <p:ext uri="{BB962C8B-B14F-4D97-AF65-F5344CB8AC3E}">
-        <p14:creationId xmlns:p14="http://schemas.microsoft.com/office/powerpoint/2010/main" val="1544152936"/>
+        <p14:creationId xmlns:p14="http://schemas.microsoft.com/office/powerpoint/2010/main" val="3632345298"/>
       </p:ext>
     </p:extLst>
   </p:cSld>
@@ -8240,14 +9271,16 @@
           </a:xfrm>
         </p:spPr>
         <p:txBody>
-          <a:bodyPr/>
+          <a:bodyPr>
+            <a:normAutofit/>
+          </a:bodyPr>
           <a:lstStyle/>
           <a:p>
             <a:r>
               <a:rPr lang="en-CA" dirty="0" smtClean="0">
                 <a:latin typeface="+mn-lt"/>
               </a:rPr>
-              <a:t>Discussion Worksheet</a:t>
+              <a:t>Association vs. Causation</a:t>
             </a:r>
             <a:endParaRPr lang="en-CA" dirty="0">
               <a:latin typeface="+mn-lt"/>
@@ -8255,42 +9288,39 @@
           </a:p>
         </p:txBody>
       </p:sp>
-      <p:sp>
-        <p:nvSpPr>
-          <p:cNvPr id="3" name="Content Placeholder 2"/>
-          <p:cNvSpPr>
-            <a:spLocks noGrp="1"/>
-          </p:cNvSpPr>
+      <p:pic>
+        <p:nvPicPr>
+          <p:cNvPr id="4" name="Content Placeholder 3"/>
+          <p:cNvPicPr>
+            <a:picLocks noGrp="1" noChangeAspect="1"/>
+          </p:cNvPicPr>
           <p:nvPr>
             <p:ph idx="1"/>
           </p:nvPr>
-        </p:nvSpPr>
-        <p:spPr>
-          <a:xfrm>
-            <a:off x="457200" y="1756947"/>
-            <a:ext cx="8286750" cy="3596103"/>
-          </a:xfrm>
-        </p:spPr>
-        <p:txBody>
-          <a:bodyPr/>
-          <a:lstStyle/>
-          <a:p>
-            <a:r>
-              <a:rPr lang="en-CA" dirty="0" smtClean="0">
-                <a:latin typeface="Avenir LT Std 45 Book" pitchFamily="34" charset="0"/>
-              </a:rPr>
-              <a:t>Introduce yourself to the people sitting around you and work in teams!</a:t>
-            </a:r>
-            <a:endParaRPr lang="en-CA" dirty="0">
-              <a:latin typeface="Avenir LT Std 45 Book" pitchFamily="34" charset="0"/>
-            </a:endParaRPr>
-          </a:p>
-        </p:txBody>
-      </p:sp>
+        </p:nvPicPr>
+        <p:blipFill>
+          <a:blip r:embed="rId2">
+            <a:extLst>
+              <a:ext uri="{28A0092B-C50C-407E-A947-70E740481C1C}">
+                <a14:useLocalDpi xmlns:a14="http://schemas.microsoft.com/office/drawing/2010/main" val="0"/>
+              </a:ext>
+            </a:extLst>
+          </a:blip>
+          <a:stretch>
+            <a:fillRect/>
+          </a:stretch>
+        </p:blipFill>
+        <p:spPr>
+          <a:xfrm>
+            <a:off x="457200" y="1921761"/>
+            <a:ext cx="8286750" cy="3266891"/>
+          </a:xfrm>
+        </p:spPr>
+      </p:pic>
     </p:spTree>
     <p:extLst>
       <p:ext uri="{BB962C8B-B14F-4D97-AF65-F5344CB8AC3E}">
-        <p14:creationId xmlns:p14="http://schemas.microsoft.com/office/powerpoint/2010/main" val="2990465893"/>
+        <p14:creationId xmlns:p14="http://schemas.microsoft.com/office/powerpoint/2010/main" val="3363855638"/>
       </p:ext>
     </p:extLst>
   </p:cSld>
@@ -8341,14 +9371,16 @@
           </a:xfrm>
         </p:spPr>
         <p:txBody>
-          <a:bodyPr/>
+          <a:bodyPr>
+            <a:normAutofit/>
+          </a:bodyPr>
           <a:lstStyle/>
           <a:p>
             <a:r>
               <a:rPr lang="en-CA" dirty="0" smtClean="0">
                 <a:latin typeface="+mn-lt"/>
               </a:rPr>
-              <a:t>Discussion: Solutions</a:t>
+              <a:t>Association vs. Causation</a:t>
             </a:r>
             <a:endParaRPr lang="en-CA" dirty="0">
               <a:latin typeface="+mn-lt"/>
@@ -8356,46 +9388,39 @@
           </a:p>
         </p:txBody>
       </p:sp>
-      <p:sp>
-        <p:nvSpPr>
-          <p:cNvPr id="3" name="Content Placeholder 2"/>
-          <p:cNvSpPr>
-            <a:spLocks noGrp="1"/>
-          </p:cNvSpPr>
+      <p:pic>
+        <p:nvPicPr>
+          <p:cNvPr id="7" name="Content Placeholder 6"/>
+          <p:cNvPicPr>
+            <a:picLocks noGrp="1" noChangeAspect="1"/>
+          </p:cNvPicPr>
           <p:nvPr>
             <p:ph idx="1"/>
           </p:nvPr>
-        </p:nvSpPr>
-        <p:spPr>
-          <a:xfrm>
-            <a:off x="457200" y="1756947"/>
-            <a:ext cx="8286750" cy="3596103"/>
-          </a:xfrm>
-        </p:spPr>
-        <p:txBody>
-          <a:bodyPr/>
-          <a:lstStyle/>
-          <a:p>
-            <a:pPr marL="457200" indent="-457200">
-              <a:buFont typeface="+mj-lt"/>
-              <a:buAutoNum type="arabicPeriod"/>
-            </a:pPr>
-            <a:r>
-              <a:rPr lang="en-CA" dirty="0" smtClean="0">
-                <a:latin typeface="Avenir LT Std 45 Book" pitchFamily="34" charset="0"/>
-              </a:rPr>
-              <a:t>TBD</a:t>
-            </a:r>
-            <a:endParaRPr lang="en-CA" dirty="0">
-              <a:latin typeface="Avenir LT Std 45 Book" pitchFamily="34" charset="0"/>
-            </a:endParaRPr>
-          </a:p>
-        </p:txBody>
-      </p:sp>
+        </p:nvPicPr>
+        <p:blipFill>
+          <a:blip r:embed="rId2">
+            <a:extLst>
+              <a:ext uri="{28A0092B-C50C-407E-A947-70E740481C1C}">
+                <a14:useLocalDpi xmlns:a14="http://schemas.microsoft.com/office/drawing/2010/main" val="0"/>
+              </a:ext>
+            </a:extLst>
+          </a:blip>
+          <a:stretch>
+            <a:fillRect/>
+          </a:stretch>
+        </p:blipFill>
+        <p:spPr>
+          <a:xfrm>
+            <a:off x="457200" y="1921761"/>
+            <a:ext cx="8286750" cy="3266891"/>
+          </a:xfrm>
+        </p:spPr>
+      </p:pic>
     </p:spTree>
     <p:extLst>
       <p:ext uri="{BB962C8B-B14F-4D97-AF65-F5344CB8AC3E}">
-        <p14:creationId xmlns:p14="http://schemas.microsoft.com/office/powerpoint/2010/main" val="2639043306"/>
+        <p14:creationId xmlns:p14="http://schemas.microsoft.com/office/powerpoint/2010/main" val="3363855638"/>
       </p:ext>
     </p:extLst>
   </p:cSld>
@@ -8446,14 +9471,16 @@
           </a:xfrm>
         </p:spPr>
         <p:txBody>
-          <a:bodyPr/>
+          <a:bodyPr>
+            <a:normAutofit/>
+          </a:bodyPr>
           <a:lstStyle/>
           <a:p>
             <a:r>
               <a:rPr lang="en-CA" dirty="0" smtClean="0">
                 <a:latin typeface="+mn-lt"/>
               </a:rPr>
-              <a:t>Discussion: Recap</a:t>
+              <a:t>Association vs. Causation</a:t>
             </a:r>
             <a:endParaRPr lang="en-CA" dirty="0">
               <a:latin typeface="+mn-lt"/>
@@ -8461,50 +9488,39 @@
           </a:p>
         </p:txBody>
       </p:sp>
-      <p:sp>
-        <p:nvSpPr>
-          <p:cNvPr id="3" name="Content Placeholder 2"/>
-          <p:cNvSpPr>
-            <a:spLocks noGrp="1"/>
-          </p:cNvSpPr>
+      <p:pic>
+        <p:nvPicPr>
+          <p:cNvPr id="4" name="Content Placeholder 3"/>
+          <p:cNvPicPr>
+            <a:picLocks noGrp="1" noChangeAspect="1"/>
+          </p:cNvPicPr>
           <p:nvPr>
             <p:ph idx="1"/>
           </p:nvPr>
-        </p:nvSpPr>
-        <p:spPr>
-          <a:xfrm>
-            <a:off x="457200" y="1756947"/>
-            <a:ext cx="8286750" cy="3596103"/>
-          </a:xfrm>
-        </p:spPr>
-        <p:txBody>
-          <a:bodyPr/>
-          <a:lstStyle/>
-          <a:p>
-            <a:r>
-              <a:rPr lang="en-CA" dirty="0" smtClean="0">
-                <a:latin typeface="Avenir LT Std 45 Book" pitchFamily="34" charset="0"/>
-              </a:rPr>
-              <a:t>How did your team do?</a:t>
-            </a:r>
-          </a:p>
-          <a:p>
-            <a:r>
-              <a:rPr lang="en-CA" dirty="0" smtClean="0">
-                <a:latin typeface="Avenir LT Std 45 Book" pitchFamily="34" charset="0"/>
-              </a:rPr>
-              <a:t>How did your group come up with an estimated number?</a:t>
-            </a:r>
-            <a:endParaRPr lang="en-CA" dirty="0">
-              <a:latin typeface="Avenir LT Std 45 Book" pitchFamily="34" charset="0"/>
-            </a:endParaRPr>
-          </a:p>
-        </p:txBody>
-      </p:sp>
+        </p:nvPicPr>
+        <p:blipFill>
+          <a:blip r:embed="rId2">
+            <a:extLst>
+              <a:ext uri="{28A0092B-C50C-407E-A947-70E740481C1C}">
+                <a14:useLocalDpi xmlns:a14="http://schemas.microsoft.com/office/drawing/2010/main" val="0"/>
+              </a:ext>
+            </a:extLst>
+          </a:blip>
+          <a:stretch>
+            <a:fillRect/>
+          </a:stretch>
+        </p:blipFill>
+        <p:spPr>
+          <a:xfrm>
+            <a:off x="457200" y="1921761"/>
+            <a:ext cx="8286750" cy="3266891"/>
+          </a:xfrm>
+        </p:spPr>
+      </p:pic>
     </p:spTree>
     <p:extLst>
       <p:ext uri="{BB962C8B-B14F-4D97-AF65-F5344CB8AC3E}">
-        <p14:creationId xmlns:p14="http://schemas.microsoft.com/office/powerpoint/2010/main" val="3855627821"/>
+        <p14:creationId xmlns:p14="http://schemas.microsoft.com/office/powerpoint/2010/main" val="3363855638"/>
       </p:ext>
     </p:extLst>
   </p:cSld>
@@ -8555,14 +9571,16 @@
           </a:xfrm>
         </p:spPr>
         <p:txBody>
-          <a:bodyPr/>
+          <a:bodyPr>
+            <a:normAutofit/>
+          </a:bodyPr>
           <a:lstStyle/>
           <a:p>
             <a:r>
               <a:rPr lang="en-CA" dirty="0" smtClean="0">
                 <a:latin typeface="+mn-lt"/>
               </a:rPr>
-              <a:t>Class Survey</a:t>
+              <a:t>Association vs. Causation</a:t>
             </a:r>
             <a:endParaRPr lang="en-CA" dirty="0">
               <a:latin typeface="+mn-lt"/>
@@ -8570,72 +9588,39 @@
           </a:p>
         </p:txBody>
       </p:sp>
-      <p:sp>
-        <p:nvSpPr>
-          <p:cNvPr id="3" name="Content Placeholder 2"/>
-          <p:cNvSpPr>
-            <a:spLocks noGrp="1"/>
-          </p:cNvSpPr>
+      <p:pic>
+        <p:nvPicPr>
+          <p:cNvPr id="5" name="Content Placeholder 4"/>
+          <p:cNvPicPr>
+            <a:picLocks noGrp="1" noChangeAspect="1"/>
+          </p:cNvPicPr>
           <p:nvPr>
             <p:ph idx="1"/>
           </p:nvPr>
-        </p:nvSpPr>
-        <p:spPr>
-          <a:xfrm>
-            <a:off x="457200" y="1756947"/>
-            <a:ext cx="8286750" cy="3596103"/>
-          </a:xfrm>
-        </p:spPr>
-        <p:txBody>
-          <a:bodyPr/>
-          <a:lstStyle/>
-          <a:p>
-            <a:pPr marL="0" indent="0">
-              <a:buNone/>
-            </a:pPr>
-            <a:r>
-              <a:rPr lang="en-CA" dirty="0" smtClean="0">
-                <a:latin typeface="Avenir LT Std 45 Book" pitchFamily="34" charset="0"/>
-              </a:rPr>
-              <a:t>Please fill out this form before starting the lab notebook:</a:t>
-            </a:r>
-          </a:p>
-          <a:p>
-            <a:pPr marL="0" indent="0">
-              <a:buNone/>
-            </a:pPr>
-            <a:endParaRPr lang="en-CA" dirty="0">
-              <a:latin typeface="Avenir LT Std 45 Book" pitchFamily="34" charset="0"/>
-            </a:endParaRPr>
-          </a:p>
-          <a:p>
-            <a:pPr marL="0" indent="0" algn="ctr">
-              <a:buNone/>
-            </a:pPr>
-            <a:r>
-              <a:rPr lang="en-CA" b="1" dirty="0" smtClean="0">
-                <a:latin typeface="Avenir LT Std 45 Book" pitchFamily="34" charset="0"/>
-              </a:rPr>
-              <a:t>TBD</a:t>
-            </a:r>
-            <a:endParaRPr lang="en-CA" dirty="0" smtClean="0">
-              <a:latin typeface="Avenir LT Std 45 Book" pitchFamily="34" charset="0"/>
-            </a:endParaRPr>
-          </a:p>
-          <a:p>
-            <a:pPr marL="0" indent="0">
-              <a:buNone/>
-            </a:pPr>
-            <a:endParaRPr lang="en-CA" dirty="0">
-              <a:latin typeface="Avenir LT Std 45 Book" pitchFamily="34" charset="0"/>
-            </a:endParaRPr>
-          </a:p>
-        </p:txBody>
-      </p:sp>
+        </p:nvPicPr>
+        <p:blipFill>
+          <a:blip r:embed="rId2">
+            <a:extLst>
+              <a:ext uri="{28A0092B-C50C-407E-A947-70E740481C1C}">
+                <a14:useLocalDpi xmlns:a14="http://schemas.microsoft.com/office/drawing/2010/main" val="0"/>
+              </a:ext>
+            </a:extLst>
+          </a:blip>
+          <a:stretch>
+            <a:fillRect/>
+          </a:stretch>
+        </p:blipFill>
+        <p:spPr>
+          <a:xfrm>
+            <a:off x="457200" y="1921761"/>
+            <a:ext cx="8286750" cy="3266891"/>
+          </a:xfrm>
+        </p:spPr>
+      </p:pic>
     </p:spTree>
     <p:extLst>
       <p:ext uri="{BB962C8B-B14F-4D97-AF65-F5344CB8AC3E}">
-        <p14:creationId xmlns:p14="http://schemas.microsoft.com/office/powerpoint/2010/main" val="2377332781"/>
+        <p14:creationId xmlns:p14="http://schemas.microsoft.com/office/powerpoint/2010/main" val="3377257628"/>
       </p:ext>
     </p:extLst>
   </p:cSld>
@@ -8686,14 +9671,16 @@
           </a:xfrm>
         </p:spPr>
         <p:txBody>
-          <a:bodyPr/>
+          <a:bodyPr>
+            <a:normAutofit/>
+          </a:bodyPr>
           <a:lstStyle/>
           <a:p>
             <a:r>
               <a:rPr lang="en-CA" dirty="0" smtClean="0">
                 <a:latin typeface="+mn-lt"/>
               </a:rPr>
-              <a:t>Lab Notebook</a:t>
+              <a:t>Association vs. Causation</a:t>
             </a:r>
             <a:endParaRPr lang="en-CA" dirty="0">
               <a:latin typeface="+mn-lt"/>
@@ -8721,22 +9708,92 @@
           <a:bodyPr/>
           <a:lstStyle/>
           <a:p>
-            <a:pPr marL="0" indent="0">
-              <a:buNone/>
-            </a:pPr>
-            <a:r>
-              <a:rPr lang="en-CA" smtClean="0">
+            <a:r>
+              <a:rPr lang="en-CA" dirty="0" smtClean="0">
                 <a:latin typeface="Avenir LT Std 45 Book" pitchFamily="34" charset="0"/>
               </a:rPr>
-              <a:t>TBD</a:t>
-            </a:r>
+              <a:t>Confounding Factors: Other variables unaccounted for in relationship between treatment and outcome</a:t>
+            </a:r>
+            <a:endParaRPr lang="en-CA" dirty="0" smtClean="0">
+              <a:latin typeface="Avenir LT Std 45 Book" pitchFamily="34" charset="0"/>
+            </a:endParaRPr>
+          </a:p>
+          <a:p>
+            <a:r>
+              <a:rPr lang="en-CA" dirty="0">
+                <a:latin typeface="Avenir LT Std 45 Book" pitchFamily="34" charset="0"/>
+              </a:rPr>
+              <a:t>Example</a:t>
+            </a:r>
+            <a:r>
+              <a:rPr lang="en-CA" dirty="0" smtClean="0">
+                <a:latin typeface="Avenir LT Std 45 Book" pitchFamily="34" charset="0"/>
+              </a:rPr>
+              <a:t>: Study </a:t>
+            </a:r>
+            <a:r>
+              <a:rPr lang="en-CA" dirty="0">
+                <a:latin typeface="Avenir LT Std 45 Book" pitchFamily="34" charset="0"/>
+              </a:rPr>
+              <a:t>the effect of capital punishment on a state’s murder </a:t>
+            </a:r>
+            <a:r>
+              <a:rPr lang="en-CA" dirty="0" smtClean="0">
+                <a:latin typeface="Avenir LT Std 45 Book" pitchFamily="34" charset="0"/>
+              </a:rPr>
+              <a:t>rate</a:t>
+            </a:r>
+          </a:p>
+          <a:p>
+            <a:pPr lvl="1"/>
+            <a:r>
+              <a:rPr lang="en-CA" dirty="0" smtClean="0">
+                <a:latin typeface="Avenir LT Std 45 Book" pitchFamily="34" charset="0"/>
+              </a:rPr>
+              <a:t>Lots of other possible explanations: literacy rates, living standards, unemployment, gun control</a:t>
+            </a:r>
+          </a:p>
+          <a:p>
+            <a:pPr lvl="1"/>
+            <a:r>
+              <a:rPr lang="en-CA" dirty="0" smtClean="0">
+                <a:latin typeface="Avenir LT Std 45 Book" pitchFamily="34" charset="0"/>
+              </a:rPr>
+              <a:t>We do not know which one </a:t>
+            </a:r>
+            <a:r>
+              <a:rPr lang="en-CA" i="1" dirty="0" smtClean="0">
+                <a:latin typeface="Avenir LT Std 45 Book" pitchFamily="34" charset="0"/>
+              </a:rPr>
+              <a:t>causes</a:t>
+            </a:r>
+            <a:r>
+              <a:rPr lang="en-CA" dirty="0" smtClean="0">
+                <a:latin typeface="Avenir LT Std 45 Book" pitchFamily="34" charset="0"/>
+              </a:rPr>
+              <a:t> higher murder rates</a:t>
+            </a:r>
+            <a:endParaRPr lang="en-CA" dirty="0">
+              <a:latin typeface="Avenir LT Std 45 Book" pitchFamily="34" charset="0"/>
+            </a:endParaRPr>
+          </a:p>
+          <a:p>
+            <a:endParaRPr lang="en-CA" dirty="0" smtClean="0">
+              <a:latin typeface="Avenir LT Std 45 Book" pitchFamily="34" charset="0"/>
+            </a:endParaRPr>
+          </a:p>
+          <a:p>
+            <a:pPr lvl="1"/>
+            <a:endParaRPr lang="en-CA" dirty="0">
+              <a:latin typeface="Avenir LT Std 45 Book" pitchFamily="34" charset="0"/>
+            </a:endParaRPr>
           </a:p>
         </p:txBody>
       </p:sp>
     </p:spTree>
     <p:extLst>
       <p:ext uri="{BB962C8B-B14F-4D97-AF65-F5344CB8AC3E}">
-        <p14:creationId xmlns:p14="http://schemas.microsoft.com/office/powerpoint/2010/main" val="687167673"/>
+        <p14:creationId xmlns:p14="http://schemas.microsoft.com/office/powerpoint/2010/main" val="2817558828"/>
       </p:ext>
     </p:extLst>
   </p:cSld>
